--- a/Mohamad Jammoul-Presentation.pptx
+++ b/Mohamad Jammoul-Presentation.pptx
@@ -133,6 +133,11 @@
       </a:defRPr>
     </a:lvl9pPr>
   </p:defaultTextStyle>
+  <p:extLst>
+    <p:ext uri="{EFAFB233-063F-42B5-8137-9DF3F51BA10A}">
+      <p15:sldGuideLst xmlns:p15="http://schemas.microsoft.com/office/powerpoint/2012/main"/>
+    </p:ext>
+  </p:extLst>
 </p:presentation>
 </file>
 
@@ -186,7 +191,7 @@
           <a:noFill/>
           <a:extLst>
             <a:ext uri="{909E8E84-426E-40dd-AFC4-6F175D3DCCD1}">
-              <a14:hiddenFill xmlns:a14="http://schemas.microsoft.com/office/drawing/2010/main" xmlns="">
+              <a14:hiddenFill xmlns="" xmlns:a14="http://schemas.microsoft.com/office/drawing/2010/main">
                 <a:solidFill>
                   <a:srgbClr val="FFFFFF"/>
                 </a:solidFill>
@@ -246,7 +251,7 @@
             </a:ln>
             <a:extLst>
               <a:ext uri="{91240B29-F687-4f45-9708-019B960494DF}">
-                <a14:hiddenLine xmlns:a14="http://schemas.microsoft.com/office/drawing/2010/main" xmlns="" w="9525">
+                <a14:hiddenLine xmlns="" xmlns:a14="http://schemas.microsoft.com/office/drawing/2010/main" w="9525">
                   <a:solidFill>
                     <a:srgbClr val="000000"/>
                   </a:solidFill>
@@ -336,7 +341,7 @@
             </a:ln>
             <a:extLst>
               <a:ext uri="{91240B29-F687-4f45-9708-019B960494DF}">
-                <a14:hiddenLine xmlns:a14="http://schemas.microsoft.com/office/drawing/2010/main" xmlns="" w="9525">
+                <a14:hiddenLine xmlns="" xmlns:a14="http://schemas.microsoft.com/office/drawing/2010/main" w="9525">
                   <a:solidFill>
                     <a:srgbClr val="000000"/>
                   </a:solidFill>
@@ -426,7 +431,7 @@
             </a:ln>
             <a:extLst>
               <a:ext uri="{91240B29-F687-4f45-9708-019B960494DF}">
-                <a14:hiddenLine xmlns:a14="http://schemas.microsoft.com/office/drawing/2010/main" xmlns="" w="9525">
+                <a14:hiddenLine xmlns="" xmlns:a14="http://schemas.microsoft.com/office/drawing/2010/main" w="9525">
                   <a:solidFill>
                     <a:srgbClr val="000000"/>
                   </a:solidFill>
@@ -460,7 +465,7 @@
             </a:ln>
             <a:extLst>
               <a:ext uri="{91240B29-F687-4f45-9708-019B960494DF}">
-                <a14:hiddenLine xmlns:a14="http://schemas.microsoft.com/office/drawing/2010/main" xmlns="" w="9525">
+                <a14:hiddenLine xmlns="" xmlns:a14="http://schemas.microsoft.com/office/drawing/2010/main" w="9525">
                   <a:solidFill>
                     <a:srgbClr val="000000"/>
                   </a:solidFill>
@@ -550,7 +555,7 @@
             </a:ln>
             <a:extLst>
               <a:ext uri="{91240B29-F687-4f45-9708-019B960494DF}">
-                <a14:hiddenLine xmlns:a14="http://schemas.microsoft.com/office/drawing/2010/main" xmlns="" w="9525">
+                <a14:hiddenLine xmlns="" xmlns:a14="http://schemas.microsoft.com/office/drawing/2010/main" w="9525">
                   <a:solidFill>
                     <a:srgbClr val="000000"/>
                   </a:solidFill>
@@ -612,7 +617,7 @@
             </a:ln>
             <a:extLst>
               <a:ext uri="{91240B29-F687-4f45-9708-019B960494DF}">
-                <a14:hiddenLine xmlns:a14="http://schemas.microsoft.com/office/drawing/2010/main" xmlns="" w="9525">
+                <a14:hiddenLine xmlns="" xmlns:a14="http://schemas.microsoft.com/office/drawing/2010/main" w="9525">
                   <a:solidFill>
                     <a:srgbClr val="000000"/>
                   </a:solidFill>
@@ -674,7 +679,7 @@
             </a:ln>
             <a:extLst>
               <a:ext uri="{91240B29-F687-4f45-9708-019B960494DF}">
-                <a14:hiddenLine xmlns:a14="http://schemas.microsoft.com/office/drawing/2010/main" xmlns="" w="9525">
+                <a14:hiddenLine xmlns="" xmlns:a14="http://schemas.microsoft.com/office/drawing/2010/main" w="9525">
                   <a:solidFill>
                     <a:srgbClr val="000000"/>
                   </a:solidFill>
@@ -764,7 +769,7 @@
             </a:ln>
             <a:extLst>
               <a:ext uri="{91240B29-F687-4f45-9708-019B960494DF}">
-                <a14:hiddenLine xmlns:a14="http://schemas.microsoft.com/office/drawing/2010/main" xmlns="" w="9525">
+                <a14:hiddenLine xmlns="" xmlns:a14="http://schemas.microsoft.com/office/drawing/2010/main" w="9525">
                   <a:solidFill>
                     <a:srgbClr val="000000"/>
                   </a:solidFill>
@@ -826,7 +831,7 @@
             </a:ln>
             <a:extLst>
               <a:ext uri="{91240B29-F687-4f45-9708-019B960494DF}">
-                <a14:hiddenLine xmlns:a14="http://schemas.microsoft.com/office/drawing/2010/main" xmlns="" w="9525">
+                <a14:hiddenLine xmlns="" xmlns:a14="http://schemas.microsoft.com/office/drawing/2010/main" w="9525">
                   <a:solidFill>
                     <a:srgbClr val="000000"/>
                   </a:solidFill>
@@ -888,7 +893,7 @@
             </a:ln>
             <a:extLst>
               <a:ext uri="{91240B29-F687-4f45-9708-019B960494DF}">
-                <a14:hiddenLine xmlns:a14="http://schemas.microsoft.com/office/drawing/2010/main" xmlns="" w="9525">
+                <a14:hiddenLine xmlns="" xmlns:a14="http://schemas.microsoft.com/office/drawing/2010/main" w="9525">
                   <a:solidFill>
                     <a:srgbClr val="000000"/>
                   </a:solidFill>
@@ -978,7 +983,7 @@
             </a:ln>
             <a:extLst>
               <a:ext uri="{91240B29-F687-4f45-9708-019B960494DF}">
-                <a14:hiddenLine xmlns:a14="http://schemas.microsoft.com/office/drawing/2010/main" xmlns="" w="9525">
+                <a14:hiddenLine xmlns="" xmlns:a14="http://schemas.microsoft.com/office/drawing/2010/main" w="9525">
                   <a:solidFill>
                     <a:srgbClr val="000000"/>
                   </a:solidFill>
@@ -1068,7 +1073,7 @@
             </a:ln>
             <a:extLst>
               <a:ext uri="{91240B29-F687-4f45-9708-019B960494DF}">
-                <a14:hiddenLine xmlns:a14="http://schemas.microsoft.com/office/drawing/2010/main" xmlns="" w="9525">
+                <a14:hiddenLine xmlns="" xmlns:a14="http://schemas.microsoft.com/office/drawing/2010/main" w="9525">
                   <a:solidFill>
                     <a:srgbClr val="000000"/>
                   </a:solidFill>
@@ -1130,7 +1135,7 @@
             </a:ln>
             <a:extLst>
               <a:ext uri="{91240B29-F687-4f45-9708-019B960494DF}">
-                <a14:hiddenLine xmlns:a14="http://schemas.microsoft.com/office/drawing/2010/main" xmlns="" w="9525">
+                <a14:hiddenLine xmlns="" xmlns:a14="http://schemas.microsoft.com/office/drawing/2010/main" w="9525">
                   <a:solidFill>
                     <a:srgbClr val="000000"/>
                   </a:solidFill>
@@ -1240,7 +1245,7 @@
             </a:ln>
             <a:extLst>
               <a:ext uri="{91240B29-F687-4f45-9708-019B960494DF}">
-                <a14:hiddenLine xmlns:a14="http://schemas.microsoft.com/office/drawing/2010/main" xmlns="" w="9525">
+                <a14:hiddenLine xmlns="" xmlns:a14="http://schemas.microsoft.com/office/drawing/2010/main" w="9525">
                   <a:solidFill>
                     <a:srgbClr val="000000"/>
                   </a:solidFill>
@@ -1302,7 +1307,7 @@
             </a:ln>
             <a:extLst>
               <a:ext uri="{91240B29-F687-4f45-9708-019B960494DF}">
-                <a14:hiddenLine xmlns:a14="http://schemas.microsoft.com/office/drawing/2010/main" xmlns="" w="9525">
+                <a14:hiddenLine xmlns="" xmlns:a14="http://schemas.microsoft.com/office/drawing/2010/main" w="9525">
                   <a:solidFill>
                     <a:srgbClr val="000000"/>
                   </a:solidFill>
@@ -1392,7 +1397,7 @@
             </a:ln>
             <a:extLst>
               <a:ext uri="{91240B29-F687-4f45-9708-019B960494DF}">
-                <a14:hiddenLine xmlns:a14="http://schemas.microsoft.com/office/drawing/2010/main" xmlns="" w="9525">
+                <a14:hiddenLine xmlns="" xmlns:a14="http://schemas.microsoft.com/office/drawing/2010/main" w="9525">
                   <a:solidFill>
                     <a:srgbClr val="000000"/>
                   </a:solidFill>
@@ -1482,7 +1487,7 @@
             </a:ln>
             <a:extLst>
               <a:ext uri="{91240B29-F687-4f45-9708-019B960494DF}">
-                <a14:hiddenLine xmlns:a14="http://schemas.microsoft.com/office/drawing/2010/main" xmlns="" w="9525">
+                <a14:hiddenLine xmlns="" xmlns:a14="http://schemas.microsoft.com/office/drawing/2010/main" w="9525">
                   <a:solidFill>
                     <a:srgbClr val="000000"/>
                   </a:solidFill>
@@ -1544,7 +1549,7 @@
             </a:ln>
             <a:extLst>
               <a:ext uri="{91240B29-F687-4f45-9708-019B960494DF}">
-                <a14:hiddenLine xmlns:a14="http://schemas.microsoft.com/office/drawing/2010/main" xmlns="" w="9525">
+                <a14:hiddenLine xmlns="" xmlns:a14="http://schemas.microsoft.com/office/drawing/2010/main" w="9525">
                   <a:solidFill>
                     <a:srgbClr val="000000"/>
                   </a:solidFill>
@@ -1634,7 +1639,7 @@
             </a:ln>
             <a:extLst>
               <a:ext uri="{91240B29-F687-4f45-9708-019B960494DF}">
-                <a14:hiddenLine xmlns:a14="http://schemas.microsoft.com/office/drawing/2010/main" xmlns="" w="9525">
+                <a14:hiddenLine xmlns="" xmlns:a14="http://schemas.microsoft.com/office/drawing/2010/main" w="9525">
                   <a:solidFill>
                     <a:srgbClr val="000000"/>
                   </a:solidFill>
@@ -1724,7 +1729,7 @@
             </a:ln>
             <a:extLst>
               <a:ext uri="{91240B29-F687-4f45-9708-019B960494DF}">
-                <a14:hiddenLine xmlns:a14="http://schemas.microsoft.com/office/drawing/2010/main" xmlns="" w="9525">
+                <a14:hiddenLine xmlns="" xmlns:a14="http://schemas.microsoft.com/office/drawing/2010/main" w="9525">
                   <a:solidFill>
                     <a:srgbClr val="000000"/>
                   </a:solidFill>
@@ -1780,7 +1785,7 @@
             </a:ln>
             <a:extLst>
               <a:ext uri="{91240B29-F687-4f45-9708-019B960494DF}">
-                <a14:hiddenLine xmlns:a14="http://schemas.microsoft.com/office/drawing/2010/main" xmlns="" w="9525">
+                <a14:hiddenLine xmlns="" xmlns:a14="http://schemas.microsoft.com/office/drawing/2010/main" w="9525">
                   <a:solidFill>
                     <a:srgbClr val="000000"/>
                   </a:solidFill>
@@ -1870,7 +1875,7 @@
             </a:ln>
             <a:extLst>
               <a:ext uri="{91240B29-F687-4f45-9708-019B960494DF}">
-                <a14:hiddenLine xmlns:a14="http://schemas.microsoft.com/office/drawing/2010/main" xmlns="" w="9525">
+                <a14:hiddenLine xmlns="" xmlns:a14="http://schemas.microsoft.com/office/drawing/2010/main" w="9525">
                   <a:solidFill>
                     <a:srgbClr val="000000"/>
                   </a:solidFill>
@@ -1926,7 +1931,7 @@
             </a:ln>
             <a:extLst>
               <a:ext uri="{91240B29-F687-4f45-9708-019B960494DF}">
-                <a14:hiddenLine xmlns:a14="http://schemas.microsoft.com/office/drawing/2010/main" xmlns="" w="9525">
+                <a14:hiddenLine xmlns="" xmlns:a14="http://schemas.microsoft.com/office/drawing/2010/main" w="9525">
                   <a:solidFill>
                     <a:srgbClr val="000000"/>
                   </a:solidFill>
@@ -2016,7 +2021,7 @@
             </a:ln>
             <a:extLst>
               <a:ext uri="{91240B29-F687-4f45-9708-019B960494DF}">
-                <a14:hiddenLine xmlns:a14="http://schemas.microsoft.com/office/drawing/2010/main" xmlns="" w="9525">
+                <a14:hiddenLine xmlns="" xmlns:a14="http://schemas.microsoft.com/office/drawing/2010/main" w="9525">
                   <a:solidFill>
                     <a:srgbClr val="000000"/>
                   </a:solidFill>
@@ -2084,7 +2089,7 @@
             </a:ln>
             <a:extLst>
               <a:ext uri="{91240B29-F687-4f45-9708-019B960494DF}">
-                <a14:hiddenLine xmlns:a14="http://schemas.microsoft.com/office/drawing/2010/main" xmlns="" w="9525">
+                <a14:hiddenLine xmlns="" xmlns:a14="http://schemas.microsoft.com/office/drawing/2010/main" w="9525">
                   <a:solidFill>
                     <a:srgbClr val="000000"/>
                   </a:solidFill>
@@ -2174,7 +2179,7 @@
             </a:ln>
             <a:extLst>
               <a:ext uri="{91240B29-F687-4f45-9708-019B960494DF}">
-                <a14:hiddenLine xmlns:a14="http://schemas.microsoft.com/office/drawing/2010/main" xmlns="" w="9525">
+                <a14:hiddenLine xmlns="" xmlns:a14="http://schemas.microsoft.com/office/drawing/2010/main" w="9525">
                   <a:solidFill>
                     <a:srgbClr val="000000"/>
                   </a:solidFill>
@@ -2242,7 +2247,7 @@
             </a:ln>
             <a:extLst>
               <a:ext uri="{91240B29-F687-4f45-9708-019B960494DF}">
-                <a14:hiddenLine xmlns:a14="http://schemas.microsoft.com/office/drawing/2010/main" xmlns="" w="9525">
+                <a14:hiddenLine xmlns="" xmlns:a14="http://schemas.microsoft.com/office/drawing/2010/main" w="9525">
                   <a:solidFill>
                     <a:srgbClr val="000000"/>
                   </a:solidFill>
@@ -2332,7 +2337,7 @@
             </a:ln>
             <a:extLst>
               <a:ext uri="{91240B29-F687-4f45-9708-019B960494DF}">
-                <a14:hiddenLine xmlns:a14="http://schemas.microsoft.com/office/drawing/2010/main" xmlns="" w="9525">
+                <a14:hiddenLine xmlns="" xmlns:a14="http://schemas.microsoft.com/office/drawing/2010/main" w="9525">
                   <a:solidFill>
                     <a:srgbClr val="000000"/>
                   </a:solidFill>
@@ -2366,7 +2371,7 @@
             </a:ln>
             <a:extLst>
               <a:ext uri="{91240B29-F687-4f45-9708-019B960494DF}">
-                <a14:hiddenLine xmlns:a14="http://schemas.microsoft.com/office/drawing/2010/main" xmlns="" w="9525">
+                <a14:hiddenLine xmlns="" xmlns:a14="http://schemas.microsoft.com/office/drawing/2010/main" w="9525">
                   <a:solidFill>
                     <a:srgbClr val="000000"/>
                   </a:solidFill>
@@ -2456,7 +2461,7 @@
             </a:ln>
             <a:extLst>
               <a:ext uri="{91240B29-F687-4f45-9708-019B960494DF}">
-                <a14:hiddenLine xmlns:a14="http://schemas.microsoft.com/office/drawing/2010/main" xmlns="" w="9525">
+                <a14:hiddenLine xmlns="" xmlns:a14="http://schemas.microsoft.com/office/drawing/2010/main" w="9525">
                   <a:solidFill>
                     <a:srgbClr val="000000"/>
                   </a:solidFill>
@@ -2518,7 +2523,7 @@
             </a:ln>
             <a:extLst>
               <a:ext uri="{91240B29-F687-4f45-9708-019B960494DF}">
-                <a14:hiddenLine xmlns:a14="http://schemas.microsoft.com/office/drawing/2010/main" xmlns="" w="9525">
+                <a14:hiddenLine xmlns="" xmlns:a14="http://schemas.microsoft.com/office/drawing/2010/main" w="9525">
                   <a:solidFill>
                     <a:srgbClr val="000000"/>
                   </a:solidFill>
@@ -2580,7 +2585,7 @@
             </a:ln>
             <a:extLst>
               <a:ext uri="{91240B29-F687-4f45-9708-019B960494DF}">
-                <a14:hiddenLine xmlns:a14="http://schemas.microsoft.com/office/drawing/2010/main" xmlns="" w="9525">
+                <a14:hiddenLine xmlns="" xmlns:a14="http://schemas.microsoft.com/office/drawing/2010/main" w="9525">
                   <a:solidFill>
                     <a:srgbClr val="000000"/>
                   </a:solidFill>
@@ -2670,7 +2675,7 @@
             </a:ln>
             <a:extLst>
               <a:ext uri="{91240B29-F687-4f45-9708-019B960494DF}">
-                <a14:hiddenLine xmlns:a14="http://schemas.microsoft.com/office/drawing/2010/main" xmlns="" w="9525">
+                <a14:hiddenLine xmlns="" xmlns:a14="http://schemas.microsoft.com/office/drawing/2010/main" w="9525">
                   <a:solidFill>
                     <a:srgbClr val="000000"/>
                   </a:solidFill>
@@ -2738,7 +2743,7 @@
             </a:ln>
             <a:extLst>
               <a:ext uri="{91240B29-F687-4f45-9708-019B960494DF}">
-                <a14:hiddenLine xmlns:a14="http://schemas.microsoft.com/office/drawing/2010/main" xmlns="" w="9525">
+                <a14:hiddenLine xmlns="" xmlns:a14="http://schemas.microsoft.com/office/drawing/2010/main" w="9525">
                   <a:solidFill>
                     <a:srgbClr val="000000"/>
                   </a:solidFill>
@@ -2800,7 +2805,7 @@
             </a:ln>
             <a:extLst>
               <a:ext uri="{91240B29-F687-4f45-9708-019B960494DF}">
-                <a14:hiddenLine xmlns:a14="http://schemas.microsoft.com/office/drawing/2010/main" xmlns="" w="9525">
+                <a14:hiddenLine xmlns="" xmlns:a14="http://schemas.microsoft.com/office/drawing/2010/main" w="9525">
                   <a:solidFill>
                     <a:srgbClr val="000000"/>
                   </a:solidFill>
@@ -2890,7 +2895,7 @@
             </a:ln>
             <a:extLst>
               <a:ext uri="{91240B29-F687-4f45-9708-019B960494DF}">
-                <a14:hiddenLine xmlns:a14="http://schemas.microsoft.com/office/drawing/2010/main" xmlns="" w="9525">
+                <a14:hiddenLine xmlns="" xmlns:a14="http://schemas.microsoft.com/office/drawing/2010/main" w="9525">
                   <a:solidFill>
                     <a:srgbClr val="000000"/>
                   </a:solidFill>
@@ -2952,7 +2957,7 @@
             </a:ln>
             <a:extLst>
               <a:ext uri="{91240B29-F687-4f45-9708-019B960494DF}">
-                <a14:hiddenLine xmlns:a14="http://schemas.microsoft.com/office/drawing/2010/main" xmlns="" w="9525">
+                <a14:hiddenLine xmlns="" xmlns:a14="http://schemas.microsoft.com/office/drawing/2010/main" w="9525">
                   <a:solidFill>
                     <a:srgbClr val="000000"/>
                   </a:solidFill>
@@ -3042,7 +3047,7 @@
             </a:ln>
             <a:extLst>
               <a:ext uri="{91240B29-F687-4f45-9708-019B960494DF}">
-                <a14:hiddenLine xmlns:a14="http://schemas.microsoft.com/office/drawing/2010/main" xmlns="" w="9525">
+                <a14:hiddenLine xmlns="" xmlns:a14="http://schemas.microsoft.com/office/drawing/2010/main" w="9525">
                   <a:solidFill>
                     <a:srgbClr val="000000"/>
                   </a:solidFill>
@@ -3104,7 +3109,7 @@
             </a:ln>
             <a:extLst>
               <a:ext uri="{91240B29-F687-4f45-9708-019B960494DF}">
-                <a14:hiddenLine xmlns:a14="http://schemas.microsoft.com/office/drawing/2010/main" xmlns="" w="9525">
+                <a14:hiddenLine xmlns="" xmlns:a14="http://schemas.microsoft.com/office/drawing/2010/main" w="9525">
                   <a:solidFill>
                     <a:srgbClr val="000000"/>
                   </a:solidFill>
@@ -3194,7 +3199,7 @@
             </a:ln>
             <a:extLst>
               <a:ext uri="{91240B29-F687-4f45-9708-019B960494DF}">
-                <a14:hiddenLine xmlns:a14="http://schemas.microsoft.com/office/drawing/2010/main" xmlns="" w="9525">
+                <a14:hiddenLine xmlns="" xmlns:a14="http://schemas.microsoft.com/office/drawing/2010/main" w="9525">
                   <a:solidFill>
                     <a:srgbClr val="000000"/>
                   </a:solidFill>
@@ -3228,7 +3233,7 @@
             </a:ln>
             <a:extLst>
               <a:ext uri="{91240B29-F687-4f45-9708-019B960494DF}">
-                <a14:hiddenLine xmlns:a14="http://schemas.microsoft.com/office/drawing/2010/main" xmlns="" w="9525">
+                <a14:hiddenLine xmlns="" xmlns:a14="http://schemas.microsoft.com/office/drawing/2010/main" w="9525">
                   <a:solidFill>
                     <a:srgbClr val="000000"/>
                   </a:solidFill>
@@ -3293,7 +3298,7 @@
             </a:ln>
             <a:extLst>
               <a:ext uri="{91240B29-F687-4f45-9708-019B960494DF}">
-                <a14:hiddenLine xmlns:a14="http://schemas.microsoft.com/office/drawing/2010/main" xmlns="" w="9525">
+                <a14:hiddenLine xmlns="" xmlns:a14="http://schemas.microsoft.com/office/drawing/2010/main" w="9525">
                   <a:solidFill>
                     <a:srgbClr val="000000"/>
                   </a:solidFill>
@@ -3383,7 +3388,7 @@
             </a:ln>
             <a:extLst>
               <a:ext uri="{91240B29-F687-4f45-9708-019B960494DF}">
-                <a14:hiddenLine xmlns:a14="http://schemas.microsoft.com/office/drawing/2010/main" xmlns="" w="9525">
+                <a14:hiddenLine xmlns="" xmlns:a14="http://schemas.microsoft.com/office/drawing/2010/main" w="9525">
                   <a:solidFill>
                     <a:srgbClr val="000000"/>
                   </a:solidFill>
@@ -3445,7 +3450,7 @@
             </a:ln>
             <a:extLst>
               <a:ext uri="{91240B29-F687-4f45-9708-019B960494DF}">
-                <a14:hiddenLine xmlns:a14="http://schemas.microsoft.com/office/drawing/2010/main" xmlns="" w="9525">
+                <a14:hiddenLine xmlns="" xmlns:a14="http://schemas.microsoft.com/office/drawing/2010/main" w="9525">
                   <a:solidFill>
                     <a:srgbClr val="000000"/>
                   </a:solidFill>
@@ -3535,7 +3540,7 @@
             </a:ln>
             <a:extLst>
               <a:ext uri="{91240B29-F687-4f45-9708-019B960494DF}">
-                <a14:hiddenLine xmlns:a14="http://schemas.microsoft.com/office/drawing/2010/main" xmlns="" w="9525">
+                <a14:hiddenLine xmlns="" xmlns:a14="http://schemas.microsoft.com/office/drawing/2010/main" w="9525">
                   <a:solidFill>
                     <a:srgbClr val="000000"/>
                   </a:solidFill>
@@ -3625,7 +3630,7 @@
             </a:ln>
             <a:extLst>
               <a:ext uri="{91240B29-F687-4f45-9708-019B960494DF}">
-                <a14:hiddenLine xmlns:a14="http://schemas.microsoft.com/office/drawing/2010/main" xmlns="" w="9525">
+                <a14:hiddenLine xmlns="" xmlns:a14="http://schemas.microsoft.com/office/drawing/2010/main" w="9525">
                   <a:solidFill>
                     <a:srgbClr val="000000"/>
                   </a:solidFill>
@@ -3690,7 +3695,7 @@
             </a:ln>
             <a:extLst>
               <a:ext uri="{91240B29-F687-4f45-9708-019B960494DF}">
-                <a14:hiddenLine xmlns:a14="http://schemas.microsoft.com/office/drawing/2010/main" xmlns="" w="9525">
+                <a14:hiddenLine xmlns="" xmlns:a14="http://schemas.microsoft.com/office/drawing/2010/main" w="9525">
                   <a:solidFill>
                     <a:srgbClr val="000000"/>
                   </a:solidFill>
@@ -3752,7 +3757,7 @@
             </a:ln>
             <a:extLst>
               <a:ext uri="{91240B29-F687-4f45-9708-019B960494DF}">
-                <a14:hiddenLine xmlns:a14="http://schemas.microsoft.com/office/drawing/2010/main" xmlns="" w="9525">
+                <a14:hiddenLine xmlns="" xmlns:a14="http://schemas.microsoft.com/office/drawing/2010/main" w="9525">
                   <a:solidFill>
                     <a:srgbClr val="000000"/>
                   </a:solidFill>
@@ -3842,7 +3847,7 @@
             </a:ln>
             <a:extLst>
               <a:ext uri="{91240B29-F687-4f45-9708-019B960494DF}">
-                <a14:hiddenLine xmlns:a14="http://schemas.microsoft.com/office/drawing/2010/main" xmlns="" w="9525">
+                <a14:hiddenLine xmlns="" xmlns:a14="http://schemas.microsoft.com/office/drawing/2010/main" w="9525">
                   <a:solidFill>
                     <a:srgbClr val="000000"/>
                   </a:solidFill>
@@ -3932,7 +3937,7 @@
             </a:ln>
             <a:extLst>
               <a:ext uri="{91240B29-F687-4f45-9708-019B960494DF}">
-                <a14:hiddenLine xmlns:a14="http://schemas.microsoft.com/office/drawing/2010/main" xmlns="" w="9525">
+                <a14:hiddenLine xmlns="" xmlns:a14="http://schemas.microsoft.com/office/drawing/2010/main" w="9525">
                   <a:solidFill>
                     <a:srgbClr val="000000"/>
                   </a:solidFill>
@@ -3994,7 +3999,7 @@
             </a:ln>
             <a:extLst>
               <a:ext uri="{91240B29-F687-4f45-9708-019B960494DF}">
-                <a14:hiddenLine xmlns:a14="http://schemas.microsoft.com/office/drawing/2010/main" xmlns="" w="9525">
+                <a14:hiddenLine xmlns="" xmlns:a14="http://schemas.microsoft.com/office/drawing/2010/main" w="9525">
                   <a:solidFill>
                     <a:srgbClr val="000000"/>
                   </a:solidFill>
@@ -4114,7 +4119,7 @@
             </a:ln>
             <a:extLst>
               <a:ext uri="{91240B29-F687-4f45-9708-019B960494DF}">
-                <a14:hiddenLine xmlns:a14="http://schemas.microsoft.com/office/drawing/2010/main" xmlns="" w="9525">
+                <a14:hiddenLine xmlns="" xmlns:a14="http://schemas.microsoft.com/office/drawing/2010/main" w="9525">
                   <a:solidFill>
                     <a:srgbClr val="000000"/>
                   </a:solidFill>
@@ -4182,7 +4187,7 @@
             </a:ln>
             <a:extLst>
               <a:ext uri="{91240B29-F687-4f45-9708-019B960494DF}">
-                <a14:hiddenLine xmlns:a14="http://schemas.microsoft.com/office/drawing/2010/main" xmlns="" w="9525">
+                <a14:hiddenLine xmlns="" xmlns:a14="http://schemas.microsoft.com/office/drawing/2010/main" w="9525">
                   <a:solidFill>
                     <a:srgbClr val="000000"/>
                   </a:solidFill>
@@ -4272,7 +4277,7 @@
             </a:ln>
             <a:extLst>
               <a:ext uri="{91240B29-F687-4f45-9708-019B960494DF}">
-                <a14:hiddenLine xmlns:a14="http://schemas.microsoft.com/office/drawing/2010/main" xmlns="" w="9525">
+                <a14:hiddenLine xmlns="" xmlns:a14="http://schemas.microsoft.com/office/drawing/2010/main" w="9525">
                   <a:solidFill>
                     <a:srgbClr val="000000"/>
                   </a:solidFill>
@@ -8994,7 +8999,7 @@
           <a:noFill/>
           <a:extLst>
             <a:ext uri="{909E8E84-426E-40dd-AFC4-6F175D3DCCD1}">
-              <a14:hiddenFill xmlns:a14="http://schemas.microsoft.com/office/drawing/2010/main" xmlns="">
+              <a14:hiddenFill xmlns="" xmlns:a14="http://schemas.microsoft.com/office/drawing/2010/main">
                 <a:solidFill>
                   <a:srgbClr val="FFFFFF"/>
                 </a:solidFill>
@@ -9068,7 +9073,7 @@
               </a:ln>
               <a:extLst>
                 <a:ext uri="{91240B29-F687-4f45-9708-019B960494DF}">
-                  <a14:hiddenLine xmlns:a14="http://schemas.microsoft.com/office/drawing/2010/main" xmlns="" w="9525">
+                  <a14:hiddenLine xmlns="" xmlns:a14="http://schemas.microsoft.com/office/drawing/2010/main" w="9525">
                     <a:solidFill>
                       <a:srgbClr val="000000"/>
                     </a:solidFill>
@@ -9158,7 +9163,7 @@
               </a:ln>
               <a:extLst>
                 <a:ext uri="{91240B29-F687-4f45-9708-019B960494DF}">
-                  <a14:hiddenLine xmlns:a14="http://schemas.microsoft.com/office/drawing/2010/main" xmlns="" w="9525">
+                  <a14:hiddenLine xmlns="" xmlns:a14="http://schemas.microsoft.com/office/drawing/2010/main" w="9525">
                     <a:solidFill>
                       <a:srgbClr val="000000"/>
                     </a:solidFill>
@@ -9248,7 +9253,7 @@
               </a:ln>
               <a:extLst>
                 <a:ext uri="{91240B29-F687-4f45-9708-019B960494DF}">
-                  <a14:hiddenLine xmlns:a14="http://schemas.microsoft.com/office/drawing/2010/main" xmlns="" w="9525">
+                  <a14:hiddenLine xmlns="" xmlns:a14="http://schemas.microsoft.com/office/drawing/2010/main" w="9525">
                     <a:solidFill>
                       <a:srgbClr val="000000"/>
                     </a:solidFill>
@@ -9310,7 +9315,7 @@
               </a:ln>
               <a:extLst>
                 <a:ext uri="{91240B29-F687-4f45-9708-019B960494DF}">
-                  <a14:hiddenLine xmlns:a14="http://schemas.microsoft.com/office/drawing/2010/main" xmlns="" w="9525">
+                  <a14:hiddenLine xmlns="" xmlns:a14="http://schemas.microsoft.com/office/drawing/2010/main" w="9525">
                     <a:solidFill>
                       <a:srgbClr val="000000"/>
                     </a:solidFill>
@@ -9400,7 +9405,7 @@
               </a:ln>
               <a:extLst>
                 <a:ext uri="{91240B29-F687-4f45-9708-019B960494DF}">
-                  <a14:hiddenLine xmlns:a14="http://schemas.microsoft.com/office/drawing/2010/main" xmlns="" w="9525">
+                  <a14:hiddenLine xmlns="" xmlns:a14="http://schemas.microsoft.com/office/drawing/2010/main" w="9525">
                     <a:solidFill>
                       <a:srgbClr val="000000"/>
                     </a:solidFill>
@@ -9462,7 +9467,7 @@
               </a:ln>
               <a:extLst>
                 <a:ext uri="{91240B29-F687-4f45-9708-019B960494DF}">
-                  <a14:hiddenLine xmlns:a14="http://schemas.microsoft.com/office/drawing/2010/main" xmlns="" w="9525">
+                  <a14:hiddenLine xmlns="" xmlns:a14="http://schemas.microsoft.com/office/drawing/2010/main" w="9525">
                     <a:solidFill>
                       <a:srgbClr val="000000"/>
                     </a:solidFill>
@@ -9524,7 +9529,7 @@
               </a:ln>
               <a:extLst>
                 <a:ext uri="{91240B29-F687-4f45-9708-019B960494DF}">
-                  <a14:hiddenLine xmlns:a14="http://schemas.microsoft.com/office/drawing/2010/main" xmlns="" w="9525">
+                  <a14:hiddenLine xmlns="" xmlns:a14="http://schemas.microsoft.com/office/drawing/2010/main" w="9525">
                     <a:solidFill>
                       <a:srgbClr val="000000"/>
                     </a:solidFill>
@@ -9614,7 +9619,7 @@
               </a:ln>
               <a:extLst>
                 <a:ext uri="{91240B29-F687-4f45-9708-019B960494DF}">
-                  <a14:hiddenLine xmlns:a14="http://schemas.microsoft.com/office/drawing/2010/main" xmlns="" w="9525">
+                  <a14:hiddenLine xmlns="" xmlns:a14="http://schemas.microsoft.com/office/drawing/2010/main" w="9525">
                     <a:solidFill>
                       <a:srgbClr val="000000"/>
                     </a:solidFill>
@@ -9704,7 +9709,7 @@
               </a:ln>
               <a:extLst>
                 <a:ext uri="{91240B29-F687-4f45-9708-019B960494DF}">
-                  <a14:hiddenLine xmlns:a14="http://schemas.microsoft.com/office/drawing/2010/main" xmlns="" w="9525">
+                  <a14:hiddenLine xmlns="" xmlns:a14="http://schemas.microsoft.com/office/drawing/2010/main" w="9525">
                     <a:solidFill>
                       <a:srgbClr val="000000"/>
                     </a:solidFill>
@@ -9766,7 +9771,7 @@
               </a:ln>
               <a:extLst>
                 <a:ext uri="{91240B29-F687-4f45-9708-019B960494DF}">
-                  <a14:hiddenLine xmlns:a14="http://schemas.microsoft.com/office/drawing/2010/main" xmlns="" w="9525">
+                  <a14:hiddenLine xmlns="" xmlns:a14="http://schemas.microsoft.com/office/drawing/2010/main" w="9525">
                     <a:solidFill>
                       <a:srgbClr val="000000"/>
                     </a:solidFill>
@@ -9876,7 +9881,7 @@
               </a:ln>
               <a:extLst>
                 <a:ext uri="{91240B29-F687-4f45-9708-019B960494DF}">
-                  <a14:hiddenLine xmlns:a14="http://schemas.microsoft.com/office/drawing/2010/main" xmlns="" w="9525">
+                  <a14:hiddenLine xmlns="" xmlns:a14="http://schemas.microsoft.com/office/drawing/2010/main" w="9525">
                     <a:solidFill>
                       <a:srgbClr val="000000"/>
                     </a:solidFill>
@@ -9960,7 +9965,7 @@
               </a:ln>
               <a:extLst>
                 <a:ext uri="{91240B29-F687-4f45-9708-019B960494DF}">
-                  <a14:hiddenLine xmlns:a14="http://schemas.microsoft.com/office/drawing/2010/main" xmlns="" w="9525">
+                  <a14:hiddenLine xmlns="" xmlns:a14="http://schemas.microsoft.com/office/drawing/2010/main" w="9525">
                     <a:solidFill>
                       <a:srgbClr val="000000"/>
                     </a:solidFill>
@@ -10022,7 +10027,7 @@
               </a:ln>
               <a:extLst>
                 <a:ext uri="{91240B29-F687-4f45-9708-019B960494DF}">
-                  <a14:hiddenLine xmlns:a14="http://schemas.microsoft.com/office/drawing/2010/main" xmlns="" w="9525">
+                  <a14:hiddenLine xmlns="" xmlns:a14="http://schemas.microsoft.com/office/drawing/2010/main" w="9525">
                     <a:solidFill>
                       <a:srgbClr val="000000"/>
                     </a:solidFill>
@@ -10084,7 +10089,7 @@
               </a:ln>
               <a:extLst>
                 <a:ext uri="{91240B29-F687-4f45-9708-019B960494DF}">
-                  <a14:hiddenLine xmlns:a14="http://schemas.microsoft.com/office/drawing/2010/main" xmlns="" w="9525">
+                  <a14:hiddenLine xmlns="" xmlns:a14="http://schemas.microsoft.com/office/drawing/2010/main" w="9525">
                     <a:solidFill>
                       <a:srgbClr val="000000"/>
                     </a:solidFill>
@@ -10174,7 +10179,7 @@
               </a:ln>
               <a:extLst>
                 <a:ext uri="{91240B29-F687-4f45-9708-019B960494DF}">
-                  <a14:hiddenLine xmlns:a14="http://schemas.microsoft.com/office/drawing/2010/main" xmlns="" w="9525">
+                  <a14:hiddenLine xmlns="" xmlns:a14="http://schemas.microsoft.com/office/drawing/2010/main" w="9525">
                     <a:solidFill>
                       <a:srgbClr val="000000"/>
                     </a:solidFill>
@@ -10208,7 +10213,7 @@
               </a:ln>
               <a:extLst>
                 <a:ext uri="{91240B29-F687-4f45-9708-019B960494DF}">
-                  <a14:hiddenLine xmlns:a14="http://schemas.microsoft.com/office/drawing/2010/main" xmlns="" w="9525">
+                  <a14:hiddenLine xmlns="" xmlns:a14="http://schemas.microsoft.com/office/drawing/2010/main" w="9525">
                     <a:solidFill>
                       <a:srgbClr val="000000"/>
                     </a:solidFill>
@@ -10273,7 +10278,7 @@
               </a:ln>
               <a:extLst>
                 <a:ext uri="{91240B29-F687-4f45-9708-019B960494DF}">
-                  <a14:hiddenLine xmlns:a14="http://schemas.microsoft.com/office/drawing/2010/main" xmlns="" w="9525">
+                  <a14:hiddenLine xmlns="" xmlns:a14="http://schemas.microsoft.com/office/drawing/2010/main" w="9525">
                     <a:solidFill>
                       <a:srgbClr val="000000"/>
                     </a:solidFill>
@@ -10363,7 +10368,7 @@
               </a:ln>
               <a:extLst>
                 <a:ext uri="{91240B29-F687-4f45-9708-019B960494DF}">
-                  <a14:hiddenLine xmlns:a14="http://schemas.microsoft.com/office/drawing/2010/main" xmlns="" w="9525">
+                  <a14:hiddenLine xmlns="" xmlns:a14="http://schemas.microsoft.com/office/drawing/2010/main" w="9525">
                     <a:solidFill>
                       <a:srgbClr val="000000"/>
                     </a:solidFill>
@@ -10425,7 +10430,7 @@
               </a:ln>
               <a:extLst>
                 <a:ext uri="{91240B29-F687-4f45-9708-019B960494DF}">
-                  <a14:hiddenLine xmlns:a14="http://schemas.microsoft.com/office/drawing/2010/main" xmlns="" w="9525">
+                  <a14:hiddenLine xmlns="" xmlns:a14="http://schemas.microsoft.com/office/drawing/2010/main" w="9525">
                     <a:solidFill>
                       <a:srgbClr val="000000"/>
                     </a:solidFill>
@@ -10515,7 +10520,7 @@
               </a:ln>
               <a:extLst>
                 <a:ext uri="{91240B29-F687-4f45-9708-019B960494DF}">
-                  <a14:hiddenLine xmlns:a14="http://schemas.microsoft.com/office/drawing/2010/main" xmlns="" w="9525">
+                  <a14:hiddenLine xmlns="" xmlns:a14="http://schemas.microsoft.com/office/drawing/2010/main" w="9525">
                     <a:solidFill>
                       <a:srgbClr val="000000"/>
                     </a:solidFill>
@@ -10580,7 +10585,7 @@
               </a:ln>
               <a:extLst>
                 <a:ext uri="{91240B29-F687-4f45-9708-019B960494DF}">
-                  <a14:hiddenLine xmlns:a14="http://schemas.microsoft.com/office/drawing/2010/main" xmlns="" w="9525">
+                  <a14:hiddenLine xmlns="" xmlns:a14="http://schemas.microsoft.com/office/drawing/2010/main" w="9525">
                     <a:solidFill>
                       <a:srgbClr val="000000"/>
                     </a:solidFill>
@@ -10642,7 +10647,7 @@
               </a:ln>
               <a:extLst>
                 <a:ext uri="{91240B29-F687-4f45-9708-019B960494DF}">
-                  <a14:hiddenLine xmlns:a14="http://schemas.microsoft.com/office/drawing/2010/main" xmlns="" w="9525">
+                  <a14:hiddenLine xmlns="" xmlns:a14="http://schemas.microsoft.com/office/drawing/2010/main" w="9525">
                     <a:solidFill>
                       <a:srgbClr val="000000"/>
                     </a:solidFill>
@@ -10732,7 +10737,7 @@
               </a:ln>
               <a:extLst>
                 <a:ext uri="{91240B29-F687-4f45-9708-019B960494DF}">
-                  <a14:hiddenLine xmlns:a14="http://schemas.microsoft.com/office/drawing/2010/main" xmlns="" w="9525">
+                  <a14:hiddenLine xmlns="" xmlns:a14="http://schemas.microsoft.com/office/drawing/2010/main" w="9525">
                     <a:solidFill>
                       <a:srgbClr val="000000"/>
                     </a:solidFill>
@@ -10822,7 +10827,7 @@
               </a:ln>
               <a:extLst>
                 <a:ext uri="{91240B29-F687-4f45-9708-019B960494DF}">
-                  <a14:hiddenLine xmlns:a14="http://schemas.microsoft.com/office/drawing/2010/main" xmlns="" w="9525">
+                  <a14:hiddenLine xmlns="" xmlns:a14="http://schemas.microsoft.com/office/drawing/2010/main" w="9525">
                     <a:solidFill>
                       <a:srgbClr val="000000"/>
                     </a:solidFill>
@@ -10887,7 +10892,7 @@
               </a:ln>
               <a:extLst>
                 <a:ext uri="{91240B29-F687-4f45-9708-019B960494DF}">
-                  <a14:hiddenLine xmlns:a14="http://schemas.microsoft.com/office/drawing/2010/main" xmlns="" w="9525">
+                  <a14:hiddenLine xmlns="" xmlns:a14="http://schemas.microsoft.com/office/drawing/2010/main" w="9525">
                     <a:solidFill>
                       <a:srgbClr val="000000"/>
                     </a:solidFill>
@@ -11007,7 +11012,7 @@
               </a:ln>
               <a:extLst>
                 <a:ext uri="{91240B29-F687-4f45-9708-019B960494DF}">
-                  <a14:hiddenLine xmlns:a14="http://schemas.microsoft.com/office/drawing/2010/main" xmlns="" w="9525">
+                  <a14:hiddenLine xmlns="" xmlns:a14="http://schemas.microsoft.com/office/drawing/2010/main" w="9525">
                     <a:solidFill>
                       <a:srgbClr val="000000"/>
                     </a:solidFill>
@@ -11105,7 +11110,7 @@
               </a:ln>
               <a:extLst>
                 <a:ext uri="{91240B29-F687-4f45-9708-019B960494DF}">
-                  <a14:hiddenLine xmlns:a14="http://schemas.microsoft.com/office/drawing/2010/main" xmlns="" w="9525">
+                  <a14:hiddenLine xmlns="" xmlns:a14="http://schemas.microsoft.com/office/drawing/2010/main" w="9525">
                     <a:solidFill>
                       <a:srgbClr val="000000"/>
                     </a:solidFill>
@@ -11220,7 +11225,7 @@
               </a:ln>
               <a:extLst>
                 <a:ext uri="{91240B29-F687-4f45-9708-019B960494DF}">
-                  <a14:hiddenLine xmlns:a14="http://schemas.microsoft.com/office/drawing/2010/main" xmlns="" w="9525">
+                  <a14:hiddenLine xmlns="" xmlns:a14="http://schemas.microsoft.com/office/drawing/2010/main" w="9525">
                     <a:solidFill>
                       <a:srgbClr val="000000"/>
                     </a:solidFill>
@@ -11310,7 +11315,7 @@
               </a:ln>
               <a:extLst>
                 <a:ext uri="{91240B29-F687-4f45-9708-019B960494DF}">
-                  <a14:hiddenLine xmlns:a14="http://schemas.microsoft.com/office/drawing/2010/main" xmlns="" w="9525">
+                  <a14:hiddenLine xmlns="" xmlns:a14="http://schemas.microsoft.com/office/drawing/2010/main" w="9525">
                     <a:solidFill>
                       <a:srgbClr val="000000"/>
                     </a:solidFill>
@@ -11375,7 +11380,7 @@
               </a:ln>
               <a:extLst>
                 <a:ext uri="{91240B29-F687-4f45-9708-019B960494DF}">
-                  <a14:hiddenLine xmlns:a14="http://schemas.microsoft.com/office/drawing/2010/main" xmlns="" w="9525">
+                  <a14:hiddenLine xmlns="" xmlns:a14="http://schemas.microsoft.com/office/drawing/2010/main" w="9525">
                     <a:solidFill>
                       <a:srgbClr val="000000"/>
                     </a:solidFill>
@@ -11465,7 +11470,7 @@
               </a:ln>
               <a:extLst>
                 <a:ext uri="{91240B29-F687-4f45-9708-019B960494DF}">
-                  <a14:hiddenLine xmlns:a14="http://schemas.microsoft.com/office/drawing/2010/main" xmlns="" w="9525">
+                  <a14:hiddenLine xmlns="" xmlns:a14="http://schemas.microsoft.com/office/drawing/2010/main" w="9525">
                     <a:solidFill>
                       <a:srgbClr val="000000"/>
                     </a:solidFill>
@@ -11533,7 +11538,7 @@
               </a:ln>
               <a:extLst>
                 <a:ext uri="{91240B29-F687-4f45-9708-019B960494DF}">
-                  <a14:hiddenLine xmlns:a14="http://schemas.microsoft.com/office/drawing/2010/main" xmlns="" w="9525">
+                  <a14:hiddenLine xmlns="" xmlns:a14="http://schemas.microsoft.com/office/drawing/2010/main" w="9525">
                     <a:solidFill>
                       <a:srgbClr val="000000"/>
                     </a:solidFill>
@@ -11623,7 +11628,7 @@
               </a:ln>
               <a:extLst>
                 <a:ext uri="{91240B29-F687-4f45-9708-019B960494DF}">
-                  <a14:hiddenLine xmlns:a14="http://schemas.microsoft.com/office/drawing/2010/main" xmlns="" w="9525">
+                  <a14:hiddenLine xmlns="" xmlns:a14="http://schemas.microsoft.com/office/drawing/2010/main" w="9525">
                     <a:solidFill>
                       <a:srgbClr val="000000"/>
                     </a:solidFill>
@@ -11691,7 +11696,7 @@
               </a:ln>
               <a:extLst>
                 <a:ext uri="{91240B29-F687-4f45-9708-019B960494DF}">
-                  <a14:hiddenLine xmlns:a14="http://schemas.microsoft.com/office/drawing/2010/main" xmlns="" w="9525">
+                  <a14:hiddenLine xmlns="" xmlns:a14="http://schemas.microsoft.com/office/drawing/2010/main" w="9525">
                     <a:solidFill>
                       <a:srgbClr val="000000"/>
                     </a:solidFill>
@@ -11781,7 +11786,7 @@
               </a:ln>
               <a:extLst>
                 <a:ext uri="{91240B29-F687-4f45-9708-019B960494DF}">
-                  <a14:hiddenLine xmlns:a14="http://schemas.microsoft.com/office/drawing/2010/main" xmlns="" w="9525">
+                  <a14:hiddenLine xmlns="" xmlns:a14="http://schemas.microsoft.com/office/drawing/2010/main" w="9525">
                     <a:solidFill>
                       <a:srgbClr val="000000"/>
                     </a:solidFill>
@@ -11815,7 +11820,7 @@
               </a:ln>
               <a:extLst>
                 <a:ext uri="{91240B29-F687-4f45-9708-019B960494DF}">
-                  <a14:hiddenLine xmlns:a14="http://schemas.microsoft.com/office/drawing/2010/main" xmlns="" w="9525">
+                  <a14:hiddenLine xmlns="" xmlns:a14="http://schemas.microsoft.com/office/drawing/2010/main" w="9525">
                     <a:solidFill>
                       <a:srgbClr val="000000"/>
                     </a:solidFill>
@@ -12697,7 +12702,6 @@
               <a:rPr lang="en-US" sz="2400" dirty="0"/>
               <a:t>We conducted exploratory data analysis by creating visualizations to examine the relationships between different variables. Specifically, we visualized the relationship between flight number and launch site, payload and launch site, success rate of each orbit type, flight number and orbit type, and the launch success trend over the years.</a:t>
             </a:r>
-            <a:endParaRPr lang="en-US" sz="2400" dirty="0"/>
           </a:p>
         </p:txBody>
       </p:sp>
@@ -12912,7 +12916,14 @@
               <a:rPr lang="en-US" sz="2200" dirty="0">
                 <a:latin typeface="Abadi" panose="020B0604020104020204" pitchFamily="34" charset="0"/>
               </a:rPr>
-              <a:t>The link to the notebook is https://github.com/chuksoo/IBM-Data-Science-Capstone-SpaceX/blob/main/EDA%20with%20Data%20Visualization.ipynb</a:t>
+              <a:t>The link to the notebook is </a:t>
+            </a:r>
+            <a:r>
+              <a:rPr lang="en-US" sz="2200" dirty="0">
+                <a:latin typeface="Abadi" panose="020B0604020104020204" pitchFamily="34" charset="0"/>
+                <a:hlinkClick r:id="rId2"/>
+              </a:rPr>
+              <a:t>https://github.com/moejamul/IBMDSCapstone/blob/main/EDA%20with%20Data%20Visualization.ipynb</a:t>
             </a:r>
             <a:endParaRPr lang="en-US" dirty="0"/>
           </a:p>
@@ -12933,7 +12944,7 @@
           <p:nvPr/>
         </p:nvPicPr>
         <p:blipFill>
-          <a:blip r:embed="rId2"/>
+          <a:blip r:embed="rId3"/>
           <a:stretch>
             <a:fillRect/>
           </a:stretch>
@@ -13067,12 +13078,9 @@
               <a:rPr lang="en-US" u="sng" dirty="0">
                 <a:hlinkClick r:id="rId2"/>
               </a:rPr>
-              <a:t>https://github.com/chuksoo/IBM-Data-Science-Capstone-SpaceX/blob/main/EDA%20with%20SQL.ipynb</a:t>
-            </a:r>
-            <a:r>
-              <a:rPr lang="en-US" dirty="0"/>
-              <a:t>.</a:t>
-            </a:r>
+              <a:t>https://github.com/moejamul/IBMDSCapstone/blob/main/SQL%20JUPYTER.ipynb</a:t>
+            </a:r>
+            <a:endParaRPr lang="en-US" dirty="0"/>
           </a:p>
         </p:txBody>
       </p:sp>
@@ -13230,7 +13238,7 @@
         <p:spPr/>
         <p:txBody>
           <a:bodyPr>
-            <a:normAutofit fontScale="92500" lnSpcReduction="20000"/>
+            <a:normAutofit fontScale="85000" lnSpcReduction="10000"/>
           </a:bodyPr>
           <a:lstStyle/>
           <a:p>
@@ -13288,10 +13296,10 @@
               <a:rPr lang="en-US" u="sng" dirty="0">
                 <a:hlinkClick r:id="rId2"/>
               </a:rPr>
-              <a:t>https://github.com/chuksoo/IBM-Data-Science-Capstone-SpaceX/blob/main/Machine%20Learning%20Prediction.ipynb</a:t>
-            </a:r>
-            <a:r>
-              <a:rPr lang="en-US" dirty="0"/>
+              <a:t>https://github.com/moejamul/IBMDSCapstone/blob/main/Machine%20Learning%20Prediction.ipynb</a:t>
+            </a:r>
+            <a:r>
+              <a:rPr lang="en-US" dirty="0" smtClean="0"/>
               <a:t>.</a:t>
             </a:r>
             <a:endParaRPr lang="en-US" dirty="0"/>
@@ -13420,9 +13428,6 @@
               </a:rPr>
               <a:t>Predictive analysis results</a:t>
             </a:r>
-            <a:endParaRPr lang="en-US" dirty="0">
-              <a:latin typeface="Abadi" panose="020B0604020104020204" pitchFamily="34" charset="0"/>
-            </a:endParaRPr>
           </a:p>
         </p:txBody>
       </p:sp>
@@ -13910,9 +13915,6 @@
               </a:rPr>
               <a:t>Orbit Type</a:t>
             </a:r>
-            <a:endParaRPr lang="en-US" dirty="0">
-              <a:latin typeface="Abadi" panose="020B0604020104020204" pitchFamily="34" charset="0"/>
-            </a:endParaRPr>
           </a:p>
         </p:txBody>
       </p:sp>
@@ -14363,9 +14365,6 @@
               </a:rPr>
               <a:t>Appendix</a:t>
             </a:r>
-            <a:endParaRPr lang="en-US" dirty="0">
-              <a:latin typeface="Abadi"/>
-            </a:endParaRPr>
           </a:p>
         </p:txBody>
       </p:sp>
@@ -14425,9 +14424,6 @@
               </a:rPr>
               <a:t>Launch Success Yearly Trend</a:t>
             </a:r>
-            <a:endParaRPr lang="en-US" dirty="0">
-              <a:latin typeface="Abadi" panose="020B0604020104020204" pitchFamily="34" charset="0"/>
-            </a:endParaRPr>
           </a:p>
         </p:txBody>
       </p:sp>
@@ -14608,9 +14604,6 @@
               </a:rPr>
               <a:t> data.</a:t>
             </a:r>
-            <a:endParaRPr lang="en-US" dirty="0">
-              <a:latin typeface="Abadi" panose="020B0604020104020204" pitchFamily="34" charset="0"/>
-            </a:endParaRPr>
           </a:p>
         </p:txBody>
       </p:sp>
@@ -14665,9 +14658,6 @@
               </a:rPr>
               <a:t>Launch Site Names Begin with 'CCA'</a:t>
             </a:r>
-            <a:endParaRPr lang="en-US" dirty="0">
-              <a:latin typeface="Abadi"/>
-            </a:endParaRPr>
           </a:p>
         </p:txBody>
       </p:sp>
@@ -14810,9 +14800,6 @@
               </a:rPr>
               <a:t>We used the query above to display 5 records where launch sites begin with `CCA`</a:t>
             </a:r>
-            <a:endParaRPr lang="en-US" dirty="0">
-              <a:latin typeface="Abadi" panose="020B0604020104020204" pitchFamily="34" charset="0"/>
-            </a:endParaRPr>
           </a:p>
         </p:txBody>
       </p:sp>
@@ -14867,9 +14854,6 @@
               </a:rPr>
               <a:t>Total Payload Mass</a:t>
             </a:r>
-            <a:endParaRPr lang="en-US" dirty="0">
-              <a:latin typeface="Abadi"/>
-            </a:endParaRPr>
           </a:p>
         </p:txBody>
       </p:sp>
@@ -15061,9 +15045,6 @@
               </a:rPr>
               <a:t>First Successful Ground Landing Date</a:t>
             </a:r>
-            <a:endParaRPr lang="en-US" dirty="0">
-              <a:latin typeface="Abadi" panose="020B0604020104020204" pitchFamily="34" charset="0"/>
-            </a:endParaRPr>
           </a:p>
         </p:txBody>
       </p:sp>
@@ -15149,9 +15130,6 @@
               </a:rPr>
               <a:t>Successful Drone Ship Landing with Payload between 4000 and 6000</a:t>
             </a:r>
-            <a:endParaRPr lang="en-US" dirty="0">
-              <a:latin typeface="Abadi" panose="020B0604020104020204" pitchFamily="34" charset="0"/>
-            </a:endParaRPr>
           </a:p>
         </p:txBody>
       </p:sp>
@@ -15237,9 +15215,6 @@
               </a:rPr>
               <a:t>Total Number of Successful and Failure Mission Outcomes</a:t>
             </a:r>
-            <a:endParaRPr lang="en-US" dirty="0">
-              <a:latin typeface="Abadi" panose="020B0604020104020204" pitchFamily="34" charset="0"/>
-            </a:endParaRPr>
           </a:p>
         </p:txBody>
       </p:sp>
@@ -15325,9 +15300,6 @@
               </a:rPr>
               <a:t>Classification Accuracy</a:t>
             </a:r>
-            <a:endParaRPr lang="en-US" dirty="0">
-              <a:latin typeface="Abadi" panose="020B0604020104020204" pitchFamily="34" charset="0"/>
-            </a:endParaRPr>
           </a:p>
         </p:txBody>
       </p:sp>
@@ -15764,9 +15736,6 @@
               </a:rPr>
               <a:t>Predictive Analytics result</a:t>
             </a:r>
-            <a:endParaRPr lang="en-US" sz="1400" dirty="0">
-              <a:latin typeface="Abadi" panose="020B0604020104020204" pitchFamily="34" charset="0"/>
-            </a:endParaRPr>
           </a:p>
         </p:txBody>
       </p:sp>
@@ -16036,7 +16005,6 @@
               <a:rPr lang="en-US" dirty="0"/>
               <a:t>, predictive analysis was performed using classification models, which were built, tuned, and evaluated to ensure their accuracy.</a:t>
             </a:r>
-            <a:endParaRPr lang="en-US" dirty="0"/>
           </a:p>
         </p:txBody>
       </p:sp>
@@ -16281,10 +16249,10 @@
               <a:rPr lang="en-US" u="sng" dirty="0">
                 <a:hlinkClick r:id="rId2"/>
               </a:rPr>
-              <a:t>https://github.com/chuksoo/IBM-Data-Science-Capstone-SpaceX/blob/main/Data%20Collection%20API.ipynb</a:t>
-            </a:r>
-            <a:r>
-              <a:rPr lang="en-US" dirty="0"/>
+              <a:t>https://github.com/moejamul/IBMDSCapstone/blob/main/Data%20Collection%20API.ipynb</a:t>
+            </a:r>
+            <a:r>
+              <a:rPr lang="en-US" dirty="0" smtClean="0"/>
               <a:t>.</a:t>
             </a:r>
             <a:endParaRPr lang="en-US" dirty="0"/>
@@ -16383,19 +16351,15 @@
           </a:p>
           <a:p>
             <a:r>
-              <a:rPr lang="en-US" u="sng" dirty="0" smtClean="0">
-                <a:hlinkClick r:id="rId2"/>
-              </a:rPr>
-              <a:t>https</a:t>
-            </a:r>
-            <a:r>
               <a:rPr lang="en-US" u="sng" dirty="0">
                 <a:hlinkClick r:id="rId2"/>
               </a:rPr>
-              <a:t>://github.com/chuksoo/IBM-Data-Science-Capstone-SpaceX/blob/main/Data%20Collection%20with%20Web%20Scraping.ipynb</a:t>
-            </a:r>
-            <a:r>
-              <a:rPr lang="en-US" dirty="0"/>
+              <a:t>https://github.com/moejamul/IBMDSCapstone/blob/main/Data%20Collection%20with%20Web%20Scraping.ipynb</a:t>
+            </a:r>
+            <a:r>
+              <a:rPr lang="en-US" dirty="0" smtClean="0">
+                <a:hlinkClick r:id="rId2"/>
+              </a:rPr>
               <a:t>.</a:t>
             </a:r>
             <a:endParaRPr lang="en-US" dirty="0"/>
@@ -16701,17 +16665,12 @@
           <a:p>
             <a:r>
               <a:rPr lang="en-US" sz="2400" dirty="0">
-                <a:solidFill>
-                  <a:srgbClr val="1C7DDB"/>
-                </a:solidFill>
                 <a:latin typeface="Abadi" panose="020B0604020104020204" pitchFamily="34" charset="0"/>
+                <a:hlinkClick r:id="rId2"/>
               </a:rPr>
-              <a:t>https://github.com/chuksoo/IBM-Data-Science-Capstone-SpaceX/blob/main/Data%20Wrangling.ipynb.</a:t>
-            </a:r>
-            <a:endParaRPr lang="en-US" sz="2400" dirty="0"/>
-          </a:p>
-          <a:p>
-            <a:endParaRPr lang="en-US" sz="2400" dirty="0"/>
+              <a:t>https://github.com/moejamul/IBMDSCapstone/blob/main/Data%20Wrangling.ipynb</a:t>
+            </a:r>
+            <a:endParaRPr lang="en-US" sz="2400" dirty="0" smtClean="0"/>
           </a:p>
           <a:p>
             <a:endParaRPr lang="en-US" sz="2400" dirty="0"/>
@@ -16733,7 +16692,7 @@
           <p:nvPr/>
         </p:nvPicPr>
         <p:blipFill>
-          <a:blip r:embed="rId2"/>
+          <a:blip r:embed="rId3"/>
           <a:stretch>
             <a:fillRect/>
           </a:stretch>
